--- a/2019180009 김선빈 3차 발표.pptx
+++ b/2019180009 김선빈 3차 발표.pptx
@@ -8,8 +8,9 @@
     <p:sldId id="256" r:id="rId2"/>
     <p:sldId id="262" r:id="rId3"/>
     <p:sldId id="259" r:id="rId4"/>
-    <p:sldId id="261" r:id="rId5"/>
-    <p:sldId id="263" r:id="rId6"/>
+    <p:sldId id="264" r:id="rId5"/>
+    <p:sldId id="261" r:id="rId6"/>
+    <p:sldId id="263" r:id="rId7"/>
   </p:sldIdLst>
   <p:sldSz cx="12192000" cy="6858000"/>
   <p:notesSz cx="6858000" cy="9144000"/>
@@ -263,7 +264,7 @@
           <a:p>
             <a:fld id="{EA782720-AF39-4A4B-97A1-5D989F3999AB}" type="datetimeFigureOut">
               <a:rPr lang="ko-KR" altLang="en-US" smtClean="0"/>
-              <a:t>2022-11-12</a:t>
+              <a:t>2022-11-19</a:t>
             </a:fld>
             <a:endParaRPr lang="ko-KR" altLang="en-US"/>
           </a:p>
@@ -461,7 +462,7 @@
           <a:p>
             <a:fld id="{EA782720-AF39-4A4B-97A1-5D989F3999AB}" type="datetimeFigureOut">
               <a:rPr lang="ko-KR" altLang="en-US" smtClean="0"/>
-              <a:t>2022-11-12</a:t>
+              <a:t>2022-11-19</a:t>
             </a:fld>
             <a:endParaRPr lang="ko-KR" altLang="en-US"/>
           </a:p>
@@ -669,7 +670,7 @@
           <a:p>
             <a:fld id="{EA782720-AF39-4A4B-97A1-5D989F3999AB}" type="datetimeFigureOut">
               <a:rPr lang="ko-KR" altLang="en-US" smtClean="0"/>
-              <a:t>2022-11-12</a:t>
+              <a:t>2022-11-19</a:t>
             </a:fld>
             <a:endParaRPr lang="ko-KR" altLang="en-US"/>
           </a:p>
@@ -867,7 +868,7 @@
           <a:p>
             <a:fld id="{EA782720-AF39-4A4B-97A1-5D989F3999AB}" type="datetimeFigureOut">
               <a:rPr lang="ko-KR" altLang="en-US" smtClean="0"/>
-              <a:t>2022-11-12</a:t>
+              <a:t>2022-11-19</a:t>
             </a:fld>
             <a:endParaRPr lang="ko-KR" altLang="en-US"/>
           </a:p>
@@ -1142,7 +1143,7 @@
           <a:p>
             <a:fld id="{EA782720-AF39-4A4B-97A1-5D989F3999AB}" type="datetimeFigureOut">
               <a:rPr lang="ko-KR" altLang="en-US" smtClean="0"/>
-              <a:t>2022-11-12</a:t>
+              <a:t>2022-11-19</a:t>
             </a:fld>
             <a:endParaRPr lang="ko-KR" altLang="en-US"/>
           </a:p>
@@ -1407,7 +1408,7 @@
           <a:p>
             <a:fld id="{EA782720-AF39-4A4B-97A1-5D989F3999AB}" type="datetimeFigureOut">
               <a:rPr lang="ko-KR" altLang="en-US" smtClean="0"/>
-              <a:t>2022-11-12</a:t>
+              <a:t>2022-11-19</a:t>
             </a:fld>
             <a:endParaRPr lang="ko-KR" altLang="en-US"/>
           </a:p>
@@ -1819,7 +1820,7 @@
           <a:p>
             <a:fld id="{EA782720-AF39-4A4B-97A1-5D989F3999AB}" type="datetimeFigureOut">
               <a:rPr lang="ko-KR" altLang="en-US" smtClean="0"/>
-              <a:t>2022-11-12</a:t>
+              <a:t>2022-11-19</a:t>
             </a:fld>
             <a:endParaRPr lang="ko-KR" altLang="en-US"/>
           </a:p>
@@ -1960,7 +1961,7 @@
           <a:p>
             <a:fld id="{EA782720-AF39-4A4B-97A1-5D989F3999AB}" type="datetimeFigureOut">
               <a:rPr lang="ko-KR" altLang="en-US" smtClean="0"/>
-              <a:t>2022-11-12</a:t>
+              <a:t>2022-11-19</a:t>
             </a:fld>
             <a:endParaRPr lang="ko-KR" altLang="en-US"/>
           </a:p>
@@ -2073,7 +2074,7 @@
           <a:p>
             <a:fld id="{EA782720-AF39-4A4B-97A1-5D989F3999AB}" type="datetimeFigureOut">
               <a:rPr lang="ko-KR" altLang="en-US" smtClean="0"/>
-              <a:t>2022-11-12</a:t>
+              <a:t>2022-11-19</a:t>
             </a:fld>
             <a:endParaRPr lang="ko-KR" altLang="en-US"/>
           </a:p>
@@ -2384,7 +2385,7 @@
           <a:p>
             <a:fld id="{EA782720-AF39-4A4B-97A1-5D989F3999AB}" type="datetimeFigureOut">
               <a:rPr lang="ko-KR" altLang="en-US" smtClean="0"/>
-              <a:t>2022-11-12</a:t>
+              <a:t>2022-11-19</a:t>
             </a:fld>
             <a:endParaRPr lang="ko-KR" altLang="en-US"/>
           </a:p>
@@ -2672,7 +2673,7 @@
           <a:p>
             <a:fld id="{EA782720-AF39-4A4B-97A1-5D989F3999AB}" type="datetimeFigureOut">
               <a:rPr lang="ko-KR" altLang="en-US" smtClean="0"/>
-              <a:t>2022-11-12</a:t>
+              <a:t>2022-11-19</a:t>
             </a:fld>
             <a:endParaRPr lang="ko-KR" altLang="en-US"/>
           </a:p>
@@ -2913,7 +2914,7 @@
           <a:p>
             <a:fld id="{EA782720-AF39-4A4B-97A1-5D989F3999AB}" type="datetimeFigureOut">
               <a:rPr lang="ko-KR" altLang="en-US" smtClean="0"/>
-              <a:t>2022-11-12</a:t>
+              <a:t>2022-11-19</a:t>
             </a:fld>
             <a:endParaRPr lang="ko-KR" altLang="en-US"/>
           </a:p>
@@ -5386,7 +5387,7 @@
                   </a:schemeClr>
                 </a:solidFill>
               </a:rPr>
-              <a:t>, 11/12</a:t>
+              <a:t>, 11/19</a:t>
             </a:r>
             <a:r>
               <a:rPr lang="ko-KR" altLang="en-US" sz="2000" b="1" dirty="0">
@@ -5408,7 +5409,7 @@
                   </a:schemeClr>
                 </a:solidFill>
               </a:rPr>
-              <a:t>70%)</a:t>
+              <a:t>84%)</a:t>
             </a:r>
             <a:endParaRPr lang="ko-KR" altLang="en-US" sz="2000" b="1" dirty="0">
               <a:solidFill>
@@ -5461,14 +5462,14 @@
           <p:nvPr>
             <p:extLst>
               <p:ext uri="{D42A27DB-BD31-4B8C-83A1-F6EECF244321}">
-                <p14:modId xmlns:p14="http://schemas.microsoft.com/office/powerpoint/2010/main" val="1897350783"/>
+                <p14:modId xmlns:p14="http://schemas.microsoft.com/office/powerpoint/2010/main" val="3461978705"/>
               </p:ext>
             </p:extLst>
           </p:nvPr>
         </p:nvGraphicFramePr>
         <p:xfrm>
           <a:off x="299740" y="891970"/>
-          <a:ext cx="11055620" cy="5943600"/>
+          <a:ext cx="11055620" cy="5699760"/>
         </p:xfrm>
         <a:graphic>
           <a:graphicData uri="http://schemas.openxmlformats.org/drawingml/2006/table">
@@ -8257,29 +8258,48 @@
                     <a:bodyPr/>
                     <a:lstStyle/>
                     <a:p>
+                      <a:pPr marL="228600" indent="-228600" algn="ctr" latinLnBrk="1">
+                        <a:buAutoNum type="arabicPeriod"/>
+                      </a:pPr>
+                      <a:r>
+                        <a:rPr lang="ko-KR" altLang="en-US" sz="1000" b="1" dirty="0">
+                          <a:solidFill>
+                            <a:schemeClr val="tx1"/>
+                          </a:solidFill>
+                        </a:rPr>
+                        <a:t>아이템 구현 및 인벤토리 구현</a:t>
+                      </a:r>
+                      <a:endParaRPr lang="en-US" altLang="ko-KR" sz="1000" b="1" dirty="0">
+                        <a:solidFill>
+                          <a:schemeClr val="tx1"/>
+                        </a:solidFill>
+                      </a:endParaRPr>
+                    </a:p>
+                    <a:p>
                       <a:pPr marL="0" indent="0" algn="ctr" latinLnBrk="1">
                         <a:buNone/>
                       </a:pPr>
                       <a:r>
+                        <a:rPr lang="en-US" altLang="ko-KR" sz="1000" b="1" dirty="0">
+                          <a:solidFill>
+                            <a:schemeClr val="tx1"/>
+                          </a:solidFill>
+                        </a:rPr>
+                        <a:t>2. </a:t>
+                      </a:r>
+                      <a:r>
                         <a:rPr lang="ko-KR" altLang="en-US" sz="1000" b="1" dirty="0">
                           <a:solidFill>
-                            <a:schemeClr val="accent2">
-                              <a:lumMod val="75000"/>
-                            </a:schemeClr>
-                          </a:solidFill>
-                        </a:rPr>
-                        <a:t>구현 </a:t>
-                      </a:r>
-                      <a:r>
-                        <a:rPr lang="en-US" altLang="ko-KR" sz="1000" b="1" dirty="0">
-                          <a:solidFill>
-                            <a:schemeClr val="accent2">
-                              <a:lumMod val="75000"/>
-                            </a:schemeClr>
-                          </a:solidFill>
-                        </a:rPr>
-                        <a:t>X(-100%)</a:t>
-                      </a:r>
+                            <a:schemeClr val="tx1"/>
+                          </a:solidFill>
+                        </a:rPr>
+                        <a:t>아이템 기반 상점 구현</a:t>
+                      </a:r>
+                      <a:endParaRPr lang="en-US" altLang="ko-KR" sz="1000" b="1" dirty="0">
+                        <a:solidFill>
+                          <a:schemeClr val="tx1"/>
+                        </a:solidFill>
+                      </a:endParaRPr>
                     </a:p>
                   </a:txBody>
                   <a:tcPr>
@@ -8305,6 +8325,19 @@
                         </a:solidFill>
                       </a:endParaRPr>
                     </a:p>
+                    <a:p>
+                      <a:pPr marL="0" indent="0" algn="ctr" latinLnBrk="1">
+                        <a:buNone/>
+                      </a:pPr>
+                      <a:r>
+                        <a:rPr lang="en-US" altLang="ko-KR" sz="1000" b="1" dirty="0">
+                          <a:solidFill>
+                            <a:schemeClr val="tx1"/>
+                          </a:solidFill>
+                        </a:rPr>
+                        <a:t>100%</a:t>
+                      </a:r>
+                    </a:p>
                   </a:txBody>
                   <a:tcPr>
                     <a:solidFill>
@@ -8318,198 +8351,6 @@
                 <a:extLst>
                   <a:ext uri="{0D108BD9-81ED-4DB2-BD59-A6C34878D82A}">
                     <a16:rowId xmlns:a16="http://schemas.microsoft.com/office/drawing/2014/main" val="1336461241"/>
-                  </a:ext>
-                </a:extLst>
-              </a:tr>
-              <a:tr h="370840">
-                <a:tc>
-                  <a:txBody>
-                    <a:bodyPr/>
-                    <a:lstStyle/>
-                    <a:p>
-                      <a:pPr algn="ctr" latinLnBrk="1"/>
-                      <a:r>
-                        <a:rPr lang="en-US" altLang="ko-KR" sz="1000" b="1" dirty="0">
-                          <a:solidFill>
-                            <a:schemeClr val="tx1"/>
-                          </a:solidFill>
-                        </a:rPr>
-                        <a:t>8</a:t>
-                      </a:r>
-                      <a:r>
-                        <a:rPr lang="ko-KR" altLang="en-US" sz="1000" b="1" dirty="0">
-                          <a:solidFill>
-                            <a:schemeClr val="tx1"/>
-                          </a:solidFill>
-                        </a:rPr>
-                        <a:t>주차</a:t>
-                      </a:r>
-                    </a:p>
-                  </a:txBody>
-                  <a:tcPr>
-                    <a:solidFill>
-                      <a:schemeClr val="accent2">
-                        <a:lumMod val="40000"/>
-                        <a:lumOff val="60000"/>
-                      </a:schemeClr>
-                    </a:solidFill>
-                  </a:tcPr>
-                </a:tc>
-                <a:tc>
-                  <a:txBody>
-                    <a:bodyPr/>
-                    <a:lstStyle/>
-                    <a:p>
-                      <a:pPr algn="ctr" latinLnBrk="1"/>
-                      <a:r>
-                        <a:rPr lang="en-US" altLang="ko-KR" sz="1000" b="1" dirty="0">
-                          <a:solidFill>
-                            <a:schemeClr val="tx1"/>
-                          </a:solidFill>
-                        </a:rPr>
-                        <a:t>NPC </a:t>
-                      </a:r>
-                      <a:r>
-                        <a:rPr lang="ko-KR" altLang="en-US" sz="1000" b="1" dirty="0">
-                          <a:solidFill>
-                            <a:schemeClr val="tx1"/>
-                          </a:solidFill>
-                        </a:rPr>
-                        <a:t>상호작용 처리</a:t>
-                      </a:r>
-                    </a:p>
-                  </a:txBody>
-                  <a:tcPr>
-                    <a:solidFill>
-                      <a:schemeClr val="accent2">
-                        <a:lumMod val="40000"/>
-                        <a:lumOff val="60000"/>
-                      </a:schemeClr>
-                    </a:solidFill>
-                  </a:tcPr>
-                </a:tc>
-                <a:tc>
-                  <a:txBody>
-                    <a:bodyPr/>
-                    <a:lstStyle/>
-                    <a:p>
-                      <a:pPr marL="228600" indent="-228600" algn="ctr" latinLnBrk="1">
-                        <a:buAutoNum type="arabicPeriod"/>
-                      </a:pPr>
-                      <a:r>
-                        <a:rPr lang="en-US" altLang="ko-KR" sz="1000" b="1" dirty="0">
-                          <a:solidFill>
-                            <a:schemeClr val="tx1"/>
-                          </a:solidFill>
-                        </a:rPr>
-                        <a:t>NPC</a:t>
-                      </a:r>
-                      <a:r>
-                        <a:rPr lang="ko-KR" altLang="en-US" sz="1000" b="1" dirty="0">
-                          <a:solidFill>
-                            <a:schemeClr val="tx1"/>
-                          </a:solidFill>
-                        </a:rPr>
-                        <a:t>대사 처리 및 아이템 </a:t>
-                      </a:r>
-                      <a:r>
-                        <a:rPr lang="ko-KR" altLang="en-US" sz="1000" b="1" dirty="0" err="1">
-                          <a:solidFill>
-                            <a:schemeClr val="tx1"/>
-                          </a:solidFill>
-                        </a:rPr>
-                        <a:t>수집가능하게끔</a:t>
-                      </a:r>
-                      <a:r>
-                        <a:rPr lang="ko-KR" altLang="en-US" sz="1000" b="1" dirty="0">
-                          <a:solidFill>
-                            <a:schemeClr val="tx1"/>
-                          </a:solidFill>
-                        </a:rPr>
-                        <a:t> 구현</a:t>
-                      </a:r>
-                      <a:endParaRPr lang="en-US" altLang="ko-KR" sz="1000" b="1" dirty="0">
-                        <a:solidFill>
-                          <a:schemeClr val="tx1"/>
-                        </a:solidFill>
-                      </a:endParaRPr>
-                    </a:p>
-                    <a:p>
-                      <a:pPr marL="0" indent="0" algn="ctr" latinLnBrk="1">
-                        <a:buNone/>
-                      </a:pPr>
-                      <a:r>
-                        <a:rPr lang="en-US" altLang="ko-KR" sz="1000" b="1" dirty="0">
-                          <a:solidFill>
-                            <a:schemeClr val="tx1"/>
-                          </a:solidFill>
-                        </a:rPr>
-                        <a:t>2. </a:t>
-                      </a:r>
-                      <a:r>
-                        <a:rPr lang="ko-KR" altLang="en-US" sz="1000" b="1" dirty="0">
-                          <a:solidFill>
-                            <a:schemeClr val="tx1"/>
-                          </a:solidFill>
-                        </a:rPr>
-                        <a:t>배틀 </a:t>
-                      </a:r>
-                      <a:r>
-                        <a:rPr lang="en-US" altLang="ko-KR" sz="1000" b="1" dirty="0" err="1">
-                          <a:solidFill>
-                            <a:schemeClr val="tx1"/>
-                          </a:solidFill>
-                        </a:rPr>
-                        <a:t>Npc</a:t>
-                      </a:r>
-                      <a:r>
-                        <a:rPr lang="en-US" altLang="ko-KR" sz="1000" b="1" dirty="0">
-                          <a:solidFill>
-                            <a:schemeClr val="tx1"/>
-                          </a:solidFill>
-                        </a:rPr>
-                        <a:t> </a:t>
-                      </a:r>
-                      <a:r>
-                        <a:rPr lang="ko-KR" altLang="en-US" sz="1000" b="1" dirty="0">
-                          <a:solidFill>
-                            <a:schemeClr val="tx1"/>
-                          </a:solidFill>
-                        </a:rPr>
-                        <a:t>포켓몬 배치</a:t>
-                      </a:r>
-                    </a:p>
-                  </a:txBody>
-                  <a:tcPr>
-                    <a:solidFill>
-                      <a:schemeClr val="accent2">
-                        <a:lumMod val="40000"/>
-                        <a:lumOff val="60000"/>
-                      </a:schemeClr>
-                    </a:solidFill>
-                  </a:tcPr>
-                </a:tc>
-                <a:tc>
-                  <a:txBody>
-                    <a:bodyPr/>
-                    <a:lstStyle/>
-                    <a:p>
-                      <a:pPr latinLnBrk="1"/>
-                      <a:endParaRPr lang="ko-KR" altLang="en-US" dirty="0"/>
-                    </a:p>
-                  </a:txBody>
-                  <a:tcPr>
-                    <a:solidFill>
-                      <a:schemeClr val="accent2">
-                        <a:lumMod val="40000"/>
-                        <a:lumOff val="60000"/>
-                      </a:schemeClr>
-                    </a:solidFill>
-                  </a:tcPr>
-                </a:tc>
-                <a:extLst>
-                  <a:ext uri="{0D108BD9-81ED-4DB2-BD59-A6C34878D82A}">
-                    <a16:rowId xmlns:a16="http://schemas.microsoft.com/office/drawing/2014/main" val="1343782541"/>
                   </a:ext>
                 </a:extLst>
               </a:tr>
@@ -8531,6 +8372,1311 @@
 </file>
 
 <file path=ppt/slides/slide4.xml><?xml version="1.0" encoding="utf-8"?>
+<p:sld xmlns:a="http://schemas.openxmlformats.org/drawingml/2006/main" xmlns:r="http://schemas.openxmlformats.org/officeDocument/2006/relationships" xmlns:p="http://schemas.openxmlformats.org/presentationml/2006/main">
+  <p:cSld>
+    <p:bg>
+      <p:bgPr>
+        <a:blipFill dpi="0" rotWithShape="1">
+          <a:blip r:embed="rId2">
+            <a:lum/>
+          </a:blip>
+          <a:srcRect/>
+          <a:stretch>
+            <a:fillRect/>
+          </a:stretch>
+        </a:blipFill>
+        <a:effectLst/>
+      </p:bgPr>
+    </p:bg>
+    <p:spTree>
+      <p:nvGrpSpPr>
+        <p:cNvPr id="1" name=""/>
+        <p:cNvGrpSpPr/>
+        <p:nvPr/>
+      </p:nvGrpSpPr>
+      <p:grpSpPr>
+        <a:xfrm>
+          <a:off x="0" y="0"/>
+          <a:ext cx="0" cy="0"/>
+          <a:chOff x="0" y="0"/>
+          <a:chExt cx="0" cy="0"/>
+        </a:xfrm>
+      </p:grpSpPr>
+      <p:sp>
+        <p:nvSpPr>
+          <p:cNvPr id="2" name="제목 1">
+            <a:extLst>
+              <a:ext uri="{FF2B5EF4-FFF2-40B4-BE49-F238E27FC236}">
+                <a16:creationId xmlns:a16="http://schemas.microsoft.com/office/drawing/2014/main" id="{DF36AA6A-E43E-7CC2-79F3-E2E2F9AAF550}"/>
+              </a:ext>
+            </a:extLst>
+          </p:cNvPr>
+          <p:cNvSpPr>
+            <a:spLocks noGrp="1"/>
+          </p:cNvSpPr>
+          <p:nvPr>
+            <p:ph type="title"/>
+          </p:nvPr>
+        </p:nvSpPr>
+        <p:spPr>
+          <a:xfrm>
+            <a:off x="0" y="22734"/>
+            <a:ext cx="10515600" cy="1325563"/>
+          </a:xfrm>
+        </p:spPr>
+        <p:txBody>
+          <a:bodyPr/>
+          <a:lstStyle/>
+          <a:p>
+            <a:r>
+              <a:rPr lang="en-US" altLang="ko-KR" b="1" dirty="0">
+                <a:solidFill>
+                  <a:srgbClr val="FF0000"/>
+                </a:solidFill>
+              </a:rPr>
+              <a:t>2</a:t>
+            </a:r>
+            <a:r>
+              <a:rPr lang="ko-KR" altLang="en-US" b="1" dirty="0">
+                <a:solidFill>
+                  <a:srgbClr val="FF0000"/>
+                </a:solidFill>
+              </a:rPr>
+              <a:t>차 발표에서 변경한 점</a:t>
+            </a:r>
+          </a:p>
+        </p:txBody>
+      </p:sp>
+      <p:sp>
+        <p:nvSpPr>
+          <p:cNvPr id="4" name="내용 개체 틀 3">
+            <a:extLst>
+              <a:ext uri="{FF2B5EF4-FFF2-40B4-BE49-F238E27FC236}">
+                <a16:creationId xmlns:a16="http://schemas.microsoft.com/office/drawing/2014/main" id="{F20EF982-F71B-C0A0-E76F-041D2B18E91E}"/>
+              </a:ext>
+            </a:extLst>
+          </p:cNvPr>
+          <p:cNvSpPr>
+            <a:spLocks noGrp="1"/>
+          </p:cNvSpPr>
+          <p:nvPr>
+            <p:ph idx="1"/>
+          </p:nvPr>
+        </p:nvSpPr>
+        <p:spPr/>
+        <p:txBody>
+          <a:bodyPr/>
+          <a:lstStyle/>
+          <a:p>
+            <a:endParaRPr lang="ko-KR" altLang="en-US"/>
+          </a:p>
+        </p:txBody>
+      </p:sp>
+      <p:graphicFrame>
+        <p:nvGraphicFramePr>
+          <p:cNvPr id="5" name="표 5">
+            <a:extLst>
+              <a:ext uri="{FF2B5EF4-FFF2-40B4-BE49-F238E27FC236}">
+                <a16:creationId xmlns:a16="http://schemas.microsoft.com/office/drawing/2014/main" id="{B4F2B2D8-8D75-8920-38C9-E0678BC58C65}"/>
+              </a:ext>
+            </a:extLst>
+          </p:cNvPr>
+          <p:cNvGraphicFramePr>
+            <a:graphicFrameLocks/>
+          </p:cNvGraphicFramePr>
+          <p:nvPr>
+            <p:extLst>
+              <p:ext uri="{D42A27DB-BD31-4B8C-83A1-F6EECF244321}">
+                <p14:modId xmlns:p14="http://schemas.microsoft.com/office/powerpoint/2010/main" val="2098301290"/>
+              </p:ext>
+            </p:extLst>
+          </p:nvPr>
+        </p:nvGraphicFramePr>
+        <p:xfrm>
+          <a:off x="838203" y="1061122"/>
+          <a:ext cx="10515597" cy="5455920"/>
+        </p:xfrm>
+        <a:graphic>
+          <a:graphicData uri="http://schemas.openxmlformats.org/drawingml/2006/table">
+            <a:tbl>
+              <a:tblPr firstRow="1" bandRow="1">
+                <a:tableStyleId>{5C22544A-7EE6-4342-B048-85BDC9FD1C3A}</a:tableStyleId>
+              </a:tblPr>
+              <a:tblGrid>
+                <a:gridCol w="1608012">
+                  <a:extLst>
+                    <a:ext uri="{9D8B030D-6E8A-4147-A177-3AD203B41FA5}">
+                      <a16:colId xmlns:a16="http://schemas.microsoft.com/office/drawing/2014/main" val="3559192948"/>
+                    </a:ext>
+                  </a:extLst>
+                </a:gridCol>
+                <a:gridCol w="2930770">
+                  <a:extLst>
+                    <a:ext uri="{9D8B030D-6E8A-4147-A177-3AD203B41FA5}">
+                      <a16:colId xmlns:a16="http://schemas.microsoft.com/office/drawing/2014/main" val="4231914672"/>
+                    </a:ext>
+                  </a:extLst>
+                </a:gridCol>
+                <a:gridCol w="5976815">
+                  <a:extLst>
+                    <a:ext uri="{9D8B030D-6E8A-4147-A177-3AD203B41FA5}">
+                      <a16:colId xmlns:a16="http://schemas.microsoft.com/office/drawing/2014/main" val="3764928984"/>
+                    </a:ext>
+                  </a:extLst>
+                </a:gridCol>
+              </a:tblGrid>
+              <a:tr h="451154">
+                <a:tc>
+                  <a:txBody>
+                    <a:bodyPr/>
+                    <a:lstStyle/>
+                    <a:p>
+                      <a:pPr algn="ctr" latinLnBrk="1"/>
+                      <a:endParaRPr lang="en-US" altLang="ko-KR" sz="1500" b="1" dirty="0">
+                        <a:solidFill>
+                          <a:schemeClr val="bg1">
+                            <a:lumMod val="95000"/>
+                          </a:schemeClr>
+                        </a:solidFill>
+                      </a:endParaRPr>
+                    </a:p>
+                    <a:p>
+                      <a:pPr algn="ctr" latinLnBrk="1"/>
+                      <a:r>
+                        <a:rPr lang="ko-KR" altLang="en-US" sz="1500" b="1" dirty="0">
+                          <a:solidFill>
+                            <a:schemeClr val="bg1">
+                              <a:lumMod val="95000"/>
+                            </a:schemeClr>
+                          </a:solidFill>
+                        </a:rPr>
+                        <a:t>내용</a:t>
+                      </a:r>
+                      <a:endParaRPr lang="en-US" altLang="ko-KR" sz="1500" b="1" dirty="0">
+                        <a:solidFill>
+                          <a:schemeClr val="bg1">
+                            <a:lumMod val="95000"/>
+                          </a:schemeClr>
+                        </a:solidFill>
+                      </a:endParaRPr>
+                    </a:p>
+                    <a:p>
+                      <a:pPr algn="ctr" latinLnBrk="1"/>
+                      <a:r>
+                        <a:rPr lang="ko-KR" altLang="en-US" sz="1500" b="1" dirty="0">
+                          <a:solidFill>
+                            <a:schemeClr val="bg1">
+                              <a:lumMod val="95000"/>
+                            </a:schemeClr>
+                          </a:solidFill>
+                        </a:rPr>
+                        <a:t> </a:t>
+                      </a:r>
+                      <a:endParaRPr lang="en-US" altLang="ko-KR" sz="1500" b="1" dirty="0">
+                        <a:solidFill>
+                          <a:schemeClr val="bg1">
+                            <a:lumMod val="95000"/>
+                          </a:schemeClr>
+                        </a:solidFill>
+                      </a:endParaRPr>
+                    </a:p>
+                  </a:txBody>
+                  <a:tcPr/>
+                </a:tc>
+                <a:tc>
+                  <a:txBody>
+                    <a:bodyPr/>
+                    <a:lstStyle/>
+                    <a:p>
+                      <a:pPr algn="ctr" latinLnBrk="1"/>
+                      <a:endParaRPr lang="en-US" altLang="ko-KR" sz="1500" b="1" dirty="0">
+                        <a:solidFill>
+                          <a:schemeClr val="bg1">
+                            <a:lumMod val="95000"/>
+                          </a:schemeClr>
+                        </a:solidFill>
+                      </a:endParaRPr>
+                    </a:p>
+                    <a:p>
+                      <a:pPr algn="ctr" latinLnBrk="1"/>
+                      <a:r>
+                        <a:rPr lang="ko-KR" altLang="en-US" sz="1500" b="1" dirty="0">
+                          <a:solidFill>
+                            <a:schemeClr val="bg1">
+                              <a:lumMod val="95000"/>
+                            </a:schemeClr>
+                          </a:solidFill>
+                        </a:rPr>
+                        <a:t>최소 범위</a:t>
+                      </a:r>
+                    </a:p>
+                  </a:txBody>
+                  <a:tcPr/>
+                </a:tc>
+                <a:tc>
+                  <a:txBody>
+                    <a:bodyPr/>
+                    <a:lstStyle/>
+                    <a:p>
+                      <a:pPr marL="0" indent="0" algn="ctr" latinLnBrk="1">
+                        <a:buNone/>
+                      </a:pPr>
+                      <a:endParaRPr lang="en-US" altLang="ko-KR" sz="1500" b="1" dirty="0">
+                        <a:solidFill>
+                          <a:schemeClr val="bg1">
+                            <a:lumMod val="95000"/>
+                          </a:schemeClr>
+                        </a:solidFill>
+                      </a:endParaRPr>
+                    </a:p>
+                    <a:p>
+                      <a:pPr marL="0" indent="0" algn="ctr" latinLnBrk="1">
+                        <a:buNone/>
+                      </a:pPr>
+                      <a:r>
+                        <a:rPr lang="ko-KR" altLang="en-US" sz="1500" b="1" dirty="0">
+                          <a:solidFill>
+                            <a:schemeClr val="bg1">
+                              <a:lumMod val="95000"/>
+                            </a:schemeClr>
+                          </a:solidFill>
+                        </a:rPr>
+                        <a:t>추가 범위</a:t>
+                      </a:r>
+                    </a:p>
+                  </a:txBody>
+                  <a:tcPr/>
+                </a:tc>
+                <a:extLst>
+                  <a:ext uri="{0D108BD9-81ED-4DB2-BD59-A6C34878D82A}">
+                    <a16:rowId xmlns:a16="http://schemas.microsoft.com/office/drawing/2014/main" val="3596264699"/>
+                  </a:ext>
+                </a:extLst>
+              </a:tr>
+              <a:tr h="396240">
+                <a:tc>
+                  <a:txBody>
+                    <a:bodyPr/>
+                    <a:lstStyle/>
+                    <a:p>
+                      <a:pPr algn="ctr" latinLnBrk="1"/>
+                      <a:endParaRPr lang="en-US" altLang="ko-KR" sz="1500" b="1" dirty="0">
+                        <a:solidFill>
+                          <a:schemeClr val="tx1"/>
+                        </a:solidFill>
+                      </a:endParaRPr>
+                    </a:p>
+                    <a:p>
+                      <a:pPr algn="ctr" latinLnBrk="1"/>
+                      <a:r>
+                        <a:rPr lang="ko-KR" altLang="en-US" sz="1500" b="1" dirty="0">
+                          <a:solidFill>
+                            <a:schemeClr val="tx1"/>
+                          </a:solidFill>
+                        </a:rPr>
+                        <a:t>캐릭터 이동</a:t>
+                      </a:r>
+                      <a:endParaRPr lang="en-US" altLang="ko-KR" sz="1500" b="1" dirty="0">
+                        <a:solidFill>
+                          <a:schemeClr val="tx1"/>
+                        </a:solidFill>
+                      </a:endParaRPr>
+                    </a:p>
+                    <a:p>
+                      <a:pPr algn="ctr" latinLnBrk="1"/>
+                      <a:endParaRPr lang="ko-KR" altLang="en-US" sz="1500" b="1" dirty="0">
+                        <a:solidFill>
+                          <a:schemeClr val="tx1"/>
+                        </a:solidFill>
+                      </a:endParaRPr>
+                    </a:p>
+                  </a:txBody>
+                  <a:tcPr>
+                    <a:solidFill>
+                      <a:schemeClr val="accent1">
+                        <a:lumMod val="40000"/>
+                        <a:lumOff val="60000"/>
+                      </a:schemeClr>
+                    </a:solidFill>
+                  </a:tcPr>
+                </a:tc>
+                <a:tc>
+                  <a:txBody>
+                    <a:bodyPr/>
+                    <a:lstStyle/>
+                    <a:p>
+                      <a:pPr algn="ctr" latinLnBrk="1"/>
+                      <a:r>
+                        <a:rPr lang="ko-KR" altLang="en-US" sz="1000" b="1" dirty="0"/>
+                        <a:t>키보드로 </a:t>
+                      </a:r>
+                      <a:r>
+                        <a:rPr lang="en-US" altLang="ko-KR" sz="1000" b="1" dirty="0"/>
+                        <a:t>4</a:t>
+                      </a:r>
+                      <a:r>
+                        <a:rPr lang="ko-KR" altLang="en-US" sz="1000" b="1" dirty="0"/>
+                        <a:t>방향이동 걷기</a:t>
+                      </a:r>
+                      <a:r>
+                        <a:rPr lang="en-US" altLang="ko-KR" sz="1000" b="1" dirty="0"/>
+                        <a:t>, </a:t>
+                      </a:r>
+                      <a:r>
+                        <a:rPr lang="ko-KR" altLang="en-US" sz="1000" b="1" dirty="0"/>
+                        <a:t>자전거타기 </a:t>
+                      </a:r>
+                      <a:r>
+                        <a:rPr lang="en-US" altLang="ko-KR" sz="1000" b="1" dirty="0"/>
+                        <a:t>(</a:t>
+                      </a:r>
+                      <a:r>
+                        <a:rPr lang="ko-KR" altLang="en-US" sz="1000" b="1" dirty="0"/>
+                        <a:t>추가 범위와 교체</a:t>
+                      </a:r>
+                      <a:r>
+                        <a:rPr lang="en-US" altLang="ko-KR" sz="1000" b="1" dirty="0"/>
+                        <a:t>) </a:t>
+                      </a:r>
+                      <a:endParaRPr lang="ko-KR" altLang="en-US" sz="1000" b="1" dirty="0">
+                        <a:solidFill>
+                          <a:schemeClr val="tx1"/>
+                        </a:solidFill>
+                      </a:endParaRPr>
+                    </a:p>
+                  </a:txBody>
+                  <a:tcPr>
+                    <a:solidFill>
+                      <a:schemeClr val="accent1">
+                        <a:lumMod val="40000"/>
+                        <a:lumOff val="60000"/>
+                      </a:schemeClr>
+                    </a:solidFill>
+                  </a:tcPr>
+                </a:tc>
+                <a:tc>
+                  <a:txBody>
+                    <a:bodyPr/>
+                    <a:lstStyle/>
+                    <a:p>
+                      <a:pPr algn="ctr" latinLnBrk="1"/>
+                      <a:endParaRPr lang="en-US" altLang="ko-KR" sz="1000" b="1" dirty="0"/>
+                    </a:p>
+                    <a:p>
+                      <a:pPr algn="ctr" latinLnBrk="1"/>
+                      <a:r>
+                        <a:rPr lang="ko-KR" altLang="en-US" sz="1000" b="1" dirty="0"/>
+                        <a:t>달리기</a:t>
+                      </a:r>
+                      <a:r>
+                        <a:rPr lang="en-US" altLang="ko-KR" sz="1000" b="1" dirty="0"/>
+                        <a:t>,</a:t>
+                      </a:r>
+                      <a:r>
+                        <a:rPr lang="ko-KR" altLang="en-US" sz="1000" b="1" dirty="0"/>
+                        <a:t>물가이동 </a:t>
+                      </a:r>
+                      <a:endParaRPr lang="ko-KR" altLang="en-US" sz="1000" b="1" dirty="0">
+                        <a:solidFill>
+                          <a:schemeClr val="tx1"/>
+                        </a:solidFill>
+                      </a:endParaRPr>
+                    </a:p>
+                  </a:txBody>
+                  <a:tcPr>
+                    <a:solidFill>
+                      <a:schemeClr val="accent1">
+                        <a:lumMod val="40000"/>
+                        <a:lumOff val="60000"/>
+                      </a:schemeClr>
+                    </a:solidFill>
+                  </a:tcPr>
+                </a:tc>
+                <a:extLst>
+                  <a:ext uri="{0D108BD9-81ED-4DB2-BD59-A6C34878D82A}">
+                    <a16:rowId xmlns:a16="http://schemas.microsoft.com/office/drawing/2014/main" val="1600784359"/>
+                  </a:ext>
+                </a:extLst>
+              </a:tr>
+              <a:tr h="396240">
+                <a:tc>
+                  <a:txBody>
+                    <a:bodyPr/>
+                    <a:lstStyle/>
+                    <a:p>
+                      <a:pPr algn="ctr" latinLnBrk="1"/>
+                      <a:endParaRPr lang="en-US" altLang="ko-KR" sz="1500" b="1" dirty="0">
+                        <a:solidFill>
+                          <a:schemeClr val="tx1"/>
+                        </a:solidFill>
+                      </a:endParaRPr>
+                    </a:p>
+                    <a:p>
+                      <a:pPr algn="ctr" latinLnBrk="1"/>
+                      <a:r>
+                        <a:rPr lang="ko-KR" altLang="en-US" sz="1500" b="1" dirty="0">
+                          <a:solidFill>
+                            <a:schemeClr val="tx1"/>
+                          </a:solidFill>
+                        </a:rPr>
+                        <a:t>포켓몬</a:t>
+                      </a:r>
+                    </a:p>
+                  </a:txBody>
+                  <a:tcPr>
+                    <a:solidFill>
+                      <a:schemeClr val="accent1">
+                        <a:lumMod val="40000"/>
+                        <a:lumOff val="60000"/>
+                      </a:schemeClr>
+                    </a:solidFill>
+                  </a:tcPr>
+                </a:tc>
+                <a:tc>
+                  <a:txBody>
+                    <a:bodyPr/>
+                    <a:lstStyle/>
+                    <a:p>
+                      <a:pPr algn="ctr" latinLnBrk="1"/>
+                      <a:r>
+                        <a:rPr lang="en-US" altLang="ko-KR" sz="1000" b="1" dirty="0"/>
+                        <a:t>(12-&gt; 10)</a:t>
+                      </a:r>
+                      <a:r>
+                        <a:rPr lang="ko-KR" altLang="en-US" sz="1000" b="1" dirty="0"/>
+                        <a:t>종류의 포켓몬 </a:t>
+                      </a:r>
+                      <a:r>
+                        <a:rPr lang="en-US" altLang="ko-KR" sz="1000" b="1" dirty="0"/>
+                        <a:t>(</a:t>
+                      </a:r>
+                      <a:r>
+                        <a:rPr lang="ko-KR" altLang="en-US" sz="1000" b="1" dirty="0"/>
+                        <a:t>각 진화체는 별도</a:t>
+                      </a:r>
+                      <a:r>
+                        <a:rPr lang="en-US" altLang="ko-KR" sz="1000" b="1" dirty="0"/>
+                        <a:t>) 12 -&gt; 10 </a:t>
+                      </a:r>
+                      <a:r>
+                        <a:rPr lang="ko-KR" altLang="en-US" sz="1000" b="1" dirty="0"/>
+                        <a:t>종류의 포켓몬 기술</a:t>
+                      </a:r>
+                      <a:endParaRPr lang="ko-KR" altLang="en-US" sz="1000" b="1" dirty="0">
+                        <a:solidFill>
+                          <a:schemeClr val="tx1"/>
+                        </a:solidFill>
+                      </a:endParaRPr>
+                    </a:p>
+                  </a:txBody>
+                  <a:tcPr>
+                    <a:solidFill>
+                      <a:schemeClr val="accent1">
+                        <a:lumMod val="40000"/>
+                        <a:lumOff val="60000"/>
+                      </a:schemeClr>
+                    </a:solidFill>
+                  </a:tcPr>
+                </a:tc>
+                <a:tc>
+                  <a:txBody>
+                    <a:bodyPr/>
+                    <a:lstStyle/>
+                    <a:p>
+                      <a:pPr marL="0" indent="0" algn="ctr" latinLnBrk="1">
+                        <a:buNone/>
+                      </a:pPr>
+                      <a:endParaRPr lang="en-US" altLang="ko-KR" sz="1000" b="1" dirty="0"/>
+                    </a:p>
+                    <a:p>
+                      <a:pPr marL="0" indent="0" algn="ctr" latinLnBrk="1">
+                        <a:buNone/>
+                      </a:pPr>
+                      <a:r>
+                        <a:rPr lang="ko-KR" altLang="en-US" sz="1000" b="1" dirty="0"/>
+                        <a:t>추가되는 포켓몬 기술 및 </a:t>
+                      </a:r>
+                      <a:r>
+                        <a:rPr lang="ko-KR" altLang="en-US" sz="1000" b="1" dirty="0" err="1">
+                          <a:solidFill>
+                            <a:srgbClr val="FF0000"/>
+                          </a:solidFill>
+                        </a:rPr>
+                        <a:t>기술머신</a:t>
+                      </a:r>
+                      <a:endParaRPr lang="ko-KR" altLang="en-US" sz="1000" b="1" dirty="0">
+                        <a:solidFill>
+                          <a:srgbClr val="FF0000"/>
+                        </a:solidFill>
+                      </a:endParaRPr>
+                    </a:p>
+                  </a:txBody>
+                  <a:tcPr>
+                    <a:solidFill>
+                      <a:schemeClr val="accent1">
+                        <a:lumMod val="40000"/>
+                        <a:lumOff val="60000"/>
+                      </a:schemeClr>
+                    </a:solidFill>
+                  </a:tcPr>
+                </a:tc>
+                <a:extLst>
+                  <a:ext uri="{0D108BD9-81ED-4DB2-BD59-A6C34878D82A}">
+                    <a16:rowId xmlns:a16="http://schemas.microsoft.com/office/drawing/2014/main" val="2938480753"/>
+                  </a:ext>
+                </a:extLst>
+              </a:tr>
+              <a:tr h="396240">
+                <a:tc>
+                  <a:txBody>
+                    <a:bodyPr/>
+                    <a:lstStyle/>
+                    <a:p>
+                      <a:pPr algn="ctr" latinLnBrk="1"/>
+                      <a:endParaRPr lang="en-US" altLang="ko-KR" sz="1500" b="1" dirty="0">
+                        <a:solidFill>
+                          <a:schemeClr val="tx1"/>
+                        </a:solidFill>
+                      </a:endParaRPr>
+                    </a:p>
+                    <a:p>
+                      <a:pPr algn="ctr" latinLnBrk="1"/>
+                      <a:r>
+                        <a:rPr lang="en-US" altLang="ko-KR" sz="1500" b="1" dirty="0">
+                          <a:solidFill>
+                            <a:schemeClr val="tx1"/>
+                          </a:solidFill>
+                        </a:rPr>
+                        <a:t>NPC</a:t>
+                      </a:r>
+                    </a:p>
+                    <a:p>
+                      <a:pPr algn="ctr" latinLnBrk="1"/>
+                      <a:endParaRPr lang="ko-KR" altLang="en-US" sz="1500" b="1" dirty="0">
+                        <a:solidFill>
+                          <a:schemeClr val="tx1"/>
+                        </a:solidFill>
+                      </a:endParaRPr>
+                    </a:p>
+                  </a:txBody>
+                  <a:tcPr>
+                    <a:solidFill>
+                      <a:schemeClr val="accent1">
+                        <a:lumMod val="40000"/>
+                        <a:lumOff val="60000"/>
+                      </a:schemeClr>
+                    </a:solidFill>
+                  </a:tcPr>
+                </a:tc>
+                <a:tc>
+                  <a:txBody>
+                    <a:bodyPr/>
+                    <a:lstStyle/>
+                    <a:p>
+                      <a:pPr algn="ctr" latinLnBrk="1"/>
+                      <a:r>
+                        <a:rPr lang="ko-KR" altLang="en-US" sz="1000" b="1" dirty="0"/>
+                        <a:t>하나의 체육관 관장 및 트레이너 </a:t>
+                      </a:r>
+                      <a:r>
+                        <a:rPr lang="en-US" altLang="ko-KR" sz="1000" b="1" dirty="0"/>
+                        <a:t>6</a:t>
+                      </a:r>
+                      <a:r>
+                        <a:rPr lang="ko-KR" altLang="en-US" sz="1000" b="1" dirty="0"/>
+                        <a:t>명</a:t>
+                      </a:r>
+                      <a:endParaRPr lang="ko-KR" altLang="en-US" sz="1000" b="1" dirty="0">
+                        <a:solidFill>
+                          <a:schemeClr val="tx1"/>
+                        </a:solidFill>
+                      </a:endParaRPr>
+                    </a:p>
+                  </a:txBody>
+                  <a:tcPr>
+                    <a:solidFill>
+                      <a:schemeClr val="accent1">
+                        <a:lumMod val="40000"/>
+                        <a:lumOff val="60000"/>
+                      </a:schemeClr>
+                    </a:solidFill>
+                  </a:tcPr>
+                </a:tc>
+                <a:tc>
+                  <a:txBody>
+                    <a:bodyPr/>
+                    <a:lstStyle/>
+                    <a:p>
+                      <a:pPr marL="0" indent="0" algn="ctr" latinLnBrk="1">
+                        <a:buNone/>
+                      </a:pPr>
+                      <a:endParaRPr lang="en-US" altLang="ko-KR" sz="1000" b="1" dirty="0"/>
+                    </a:p>
+                    <a:p>
+                      <a:pPr marL="0" indent="0" algn="ctr" latinLnBrk="1">
+                        <a:buNone/>
+                      </a:pPr>
+                      <a:r>
+                        <a:rPr lang="ko-KR" altLang="en-US" sz="1000" b="1" dirty="0"/>
+                        <a:t>체육관 관장 최대 </a:t>
+                      </a:r>
+                      <a:r>
+                        <a:rPr lang="en-US" altLang="ko-KR" sz="1000" b="1" dirty="0"/>
+                        <a:t>2</a:t>
+                      </a:r>
+                      <a:r>
+                        <a:rPr lang="ko-KR" altLang="en-US" sz="1000" b="1" dirty="0"/>
+                        <a:t>명 추가 및 그에 따른 트레이너 추가</a:t>
+                      </a:r>
+                      <a:endParaRPr lang="ko-KR" altLang="en-US" sz="1000" b="1" dirty="0">
+                        <a:solidFill>
+                          <a:schemeClr val="tx1"/>
+                        </a:solidFill>
+                      </a:endParaRPr>
+                    </a:p>
+                  </a:txBody>
+                  <a:tcPr>
+                    <a:solidFill>
+                      <a:schemeClr val="accent1">
+                        <a:lumMod val="40000"/>
+                        <a:lumOff val="60000"/>
+                      </a:schemeClr>
+                    </a:solidFill>
+                  </a:tcPr>
+                </a:tc>
+                <a:extLst>
+                  <a:ext uri="{0D108BD9-81ED-4DB2-BD59-A6C34878D82A}">
+                    <a16:rowId xmlns:a16="http://schemas.microsoft.com/office/drawing/2014/main" val="2653080378"/>
+                  </a:ext>
+                </a:extLst>
+              </a:tr>
+              <a:tr h="548640">
+                <a:tc>
+                  <a:txBody>
+                    <a:bodyPr/>
+                    <a:lstStyle/>
+                    <a:p>
+                      <a:pPr algn="ctr" latinLnBrk="1"/>
+                      <a:endParaRPr lang="en-US" altLang="ko-KR" sz="1500" b="1" dirty="0">
+                        <a:solidFill>
+                          <a:schemeClr val="bg1">
+                            <a:lumMod val="95000"/>
+                          </a:schemeClr>
+                        </a:solidFill>
+                      </a:endParaRPr>
+                    </a:p>
+                    <a:p>
+                      <a:pPr algn="ctr" latinLnBrk="1"/>
+                      <a:r>
+                        <a:rPr lang="ko-KR" altLang="en-US" sz="1500" b="1" dirty="0">
+                          <a:solidFill>
+                            <a:schemeClr val="bg1">
+                              <a:lumMod val="95000"/>
+                            </a:schemeClr>
+                          </a:solidFill>
+                        </a:rPr>
+                        <a:t>맵</a:t>
+                      </a:r>
+                    </a:p>
+                  </a:txBody>
+                  <a:tcPr>
+                    <a:solidFill>
+                      <a:schemeClr val="accent1">
+                        <a:lumMod val="75000"/>
+                      </a:schemeClr>
+                    </a:solidFill>
+                  </a:tcPr>
+                </a:tc>
+                <a:tc>
+                  <a:txBody>
+                    <a:bodyPr/>
+                    <a:lstStyle/>
+                    <a:p>
+                      <a:pPr algn="ctr" latinLnBrk="1"/>
+                      <a:r>
+                        <a:rPr lang="ko-KR" altLang="en-US" sz="1000" b="1" dirty="0"/>
+                        <a:t>주인공 마을</a:t>
+                      </a:r>
+                      <a:r>
+                        <a:rPr lang="en-US" altLang="ko-KR" sz="1000" b="1" dirty="0"/>
+                        <a:t>,</a:t>
+                      </a:r>
+                      <a:r>
+                        <a:rPr lang="ko-KR" altLang="en-US" sz="1000" b="1" dirty="0"/>
+                        <a:t>체육관 관장 마을 그 사이 잇는 도로</a:t>
+                      </a:r>
+                      <a:r>
+                        <a:rPr lang="en-US" altLang="ko-KR" sz="1000" b="1" dirty="0"/>
+                        <a:t>(</a:t>
+                      </a:r>
+                      <a:r>
+                        <a:rPr lang="ko-KR" altLang="en-US" sz="1000" b="1" dirty="0"/>
+                        <a:t>맵 이미지 </a:t>
+                      </a:r>
+                      <a:r>
+                        <a:rPr lang="en-US" altLang="ko-KR" sz="1000" b="1" dirty="0"/>
+                        <a:t>4</a:t>
+                      </a:r>
+                      <a:r>
+                        <a:rPr lang="ko-KR" altLang="en-US" sz="1000" b="1" dirty="0"/>
+                        <a:t>개 사용</a:t>
+                      </a:r>
+                      <a:r>
+                        <a:rPr lang="en-US" altLang="ko-KR" sz="1000" b="1" dirty="0"/>
+                        <a:t>) </a:t>
+                      </a:r>
+                      <a:r>
+                        <a:rPr lang="ko-KR" altLang="en-US" sz="1000" b="1" dirty="0"/>
+                        <a:t>물가</a:t>
+                      </a:r>
+                      <a:r>
+                        <a:rPr lang="en-US" altLang="ko-KR" sz="1000" b="1" dirty="0"/>
+                        <a:t>(</a:t>
+                      </a:r>
+                      <a:r>
+                        <a:rPr lang="ko-KR" altLang="en-US" sz="1000" b="1" dirty="0"/>
+                        <a:t>이미지는 있지만 갈 수는 없음</a:t>
+                      </a:r>
+                      <a:r>
+                        <a:rPr lang="en-US" altLang="ko-KR" sz="1000" b="1" dirty="0"/>
+                        <a:t>)</a:t>
+                      </a:r>
+                      <a:endParaRPr lang="ko-KR" altLang="en-US" sz="1000" b="1" dirty="0">
+                        <a:solidFill>
+                          <a:schemeClr val="bg1">
+                            <a:lumMod val="95000"/>
+                          </a:schemeClr>
+                        </a:solidFill>
+                      </a:endParaRPr>
+                    </a:p>
+                  </a:txBody>
+                  <a:tcPr>
+                    <a:solidFill>
+                      <a:schemeClr val="accent1">
+                        <a:lumMod val="75000"/>
+                      </a:schemeClr>
+                    </a:solidFill>
+                  </a:tcPr>
+                </a:tc>
+                <a:tc>
+                  <a:txBody>
+                    <a:bodyPr/>
+                    <a:lstStyle/>
+                    <a:p>
+                      <a:pPr marL="0" indent="0" algn="ctr" latinLnBrk="1">
+                        <a:buNone/>
+                      </a:pPr>
+                      <a:r>
+                        <a:rPr lang="ko-KR" altLang="en-US" sz="1000" b="1" dirty="0" err="1"/>
+                        <a:t>동굴맵</a:t>
+                      </a:r>
+                      <a:r>
+                        <a:rPr lang="en-US" altLang="ko-KR" sz="1000" b="1" dirty="0"/>
+                        <a:t>,</a:t>
+                      </a:r>
+                    </a:p>
+                    <a:p>
+                      <a:pPr marL="0" indent="0" algn="ctr" latinLnBrk="1">
+                        <a:buNone/>
+                      </a:pPr>
+                      <a:r>
+                        <a:rPr lang="ko-KR" altLang="en-US" sz="1000" b="1" dirty="0"/>
+                        <a:t>추가되는 체육관 관장 마을 및 도로 </a:t>
+                      </a:r>
+                      <a:endParaRPr lang="ko-KR" altLang="en-US" sz="1000" b="1" dirty="0">
+                        <a:solidFill>
+                          <a:schemeClr val="bg1">
+                            <a:lumMod val="95000"/>
+                          </a:schemeClr>
+                        </a:solidFill>
+                      </a:endParaRPr>
+                    </a:p>
+                  </a:txBody>
+                  <a:tcPr>
+                    <a:solidFill>
+                      <a:schemeClr val="accent1">
+                        <a:lumMod val="75000"/>
+                      </a:schemeClr>
+                    </a:solidFill>
+                  </a:tcPr>
+                </a:tc>
+                <a:extLst>
+                  <a:ext uri="{0D108BD9-81ED-4DB2-BD59-A6C34878D82A}">
+                    <a16:rowId xmlns:a16="http://schemas.microsoft.com/office/drawing/2014/main" val="3468681915"/>
+                  </a:ext>
+                </a:extLst>
+              </a:tr>
+              <a:tr h="482735">
+                <a:tc>
+                  <a:txBody>
+                    <a:bodyPr/>
+                    <a:lstStyle/>
+                    <a:p>
+                      <a:pPr algn="ctr" latinLnBrk="1"/>
+                      <a:endParaRPr lang="en-US" altLang="ko-KR" sz="1500" b="1" dirty="0">
+                        <a:solidFill>
+                          <a:schemeClr val="tx1"/>
+                        </a:solidFill>
+                      </a:endParaRPr>
+                    </a:p>
+                    <a:p>
+                      <a:pPr algn="ctr" latinLnBrk="1"/>
+                      <a:r>
+                        <a:rPr lang="ko-KR" altLang="en-US" sz="1500" b="1" dirty="0">
+                          <a:solidFill>
+                            <a:schemeClr val="tx1"/>
+                          </a:solidFill>
+                        </a:rPr>
+                        <a:t>게임 기능</a:t>
+                      </a:r>
+                    </a:p>
+                  </a:txBody>
+                  <a:tcPr>
+                    <a:solidFill>
+                      <a:schemeClr val="accent2">
+                        <a:lumMod val="40000"/>
+                        <a:lumOff val="60000"/>
+                      </a:schemeClr>
+                    </a:solidFill>
+                  </a:tcPr>
+                </a:tc>
+                <a:tc>
+                  <a:txBody>
+                    <a:bodyPr/>
+                    <a:lstStyle/>
+                    <a:p>
+                      <a:pPr algn="ctr" latinLnBrk="1"/>
+                      <a:endParaRPr lang="en-US" altLang="ko-KR" sz="1000" b="1" dirty="0">
+                        <a:solidFill>
+                          <a:schemeClr val="tx1"/>
+                        </a:solidFill>
+                      </a:endParaRPr>
+                    </a:p>
+                    <a:p>
+                      <a:pPr algn="ctr" latinLnBrk="1"/>
+                      <a:r>
+                        <a:rPr lang="ko-KR" altLang="en-US" sz="1000" b="1" dirty="0"/>
+                        <a:t>포켓몬 도감 인벤토리</a:t>
+                      </a:r>
+                      <a:r>
+                        <a:rPr lang="en-US" altLang="ko-KR" sz="1000" b="1" dirty="0"/>
+                        <a:t>,</a:t>
+                      </a:r>
+                      <a:r>
+                        <a:rPr lang="ko-KR" altLang="en-US" sz="1000" b="1" dirty="0"/>
+                        <a:t>상점</a:t>
+                      </a:r>
+                      <a:r>
+                        <a:rPr lang="en-US" altLang="ko-KR" sz="1000" b="1" dirty="0"/>
+                        <a:t>,</a:t>
+                      </a:r>
+                      <a:r>
+                        <a:rPr lang="ko-KR" altLang="en-US" sz="1000" b="1" dirty="0"/>
+                        <a:t> 포켓몬 포획</a:t>
+                      </a:r>
+                      <a:r>
+                        <a:rPr lang="en-US" altLang="ko-KR" sz="1000" b="1" dirty="0"/>
+                        <a:t>,</a:t>
+                      </a:r>
+                      <a:r>
+                        <a:rPr lang="ko-KR" altLang="en-US" sz="1000" b="1" dirty="0"/>
+                        <a:t> 트레이너</a:t>
+                      </a:r>
+                      <a:r>
+                        <a:rPr lang="en-US" altLang="ko-KR" sz="1000" b="1" dirty="0"/>
+                        <a:t>, </a:t>
+                      </a:r>
+                      <a:r>
+                        <a:rPr lang="ko-KR" altLang="en-US" sz="1000" b="1" dirty="0"/>
+                        <a:t>포켓몬 배틀 아이템 수집 </a:t>
+                      </a:r>
+                      <a:endParaRPr lang="ko-KR" altLang="en-US" sz="1000" b="1" dirty="0">
+                        <a:solidFill>
+                          <a:schemeClr val="tx1"/>
+                        </a:solidFill>
+                      </a:endParaRPr>
+                    </a:p>
+                  </a:txBody>
+                  <a:tcPr>
+                    <a:solidFill>
+                      <a:schemeClr val="accent2">
+                        <a:lumMod val="40000"/>
+                        <a:lumOff val="60000"/>
+                      </a:schemeClr>
+                    </a:solidFill>
+                  </a:tcPr>
+                </a:tc>
+                <a:tc>
+                  <a:txBody>
+                    <a:bodyPr/>
+                    <a:lstStyle/>
+                    <a:p>
+                      <a:pPr marL="0" indent="0" algn="ctr" latinLnBrk="1">
+                        <a:buNone/>
+                      </a:pPr>
+                      <a:r>
+                        <a:rPr lang="ko-KR" altLang="en-US" sz="1000" b="1" dirty="0" err="1"/>
+                        <a:t>공중날기를</a:t>
+                      </a:r>
+                      <a:r>
+                        <a:rPr lang="ko-KR" altLang="en-US" sz="1000" b="1" dirty="0"/>
+                        <a:t> 통한 마을 이동</a:t>
+                      </a:r>
+                      <a:endParaRPr lang="en-US" altLang="ko-KR" sz="1000" b="1" dirty="0"/>
+                    </a:p>
+                    <a:p>
+                      <a:pPr marL="0" indent="0" algn="ctr" latinLnBrk="1">
+                        <a:buNone/>
+                      </a:pPr>
+                      <a:r>
+                        <a:rPr lang="ko-KR" altLang="en-US" sz="1000" b="1" dirty="0"/>
+                        <a:t> 낚시</a:t>
+                      </a:r>
+                      <a:endParaRPr lang="en-US" altLang="ko-KR" sz="1000" b="1" dirty="0"/>
+                    </a:p>
+                    <a:p>
+                      <a:pPr marL="0" indent="0" algn="ctr" latinLnBrk="1">
+                        <a:buNone/>
+                      </a:pPr>
+                      <a:r>
+                        <a:rPr lang="ko-KR" altLang="en-US" sz="1000" b="1" dirty="0"/>
+                        <a:t> 세이브 및 로드 </a:t>
+                      </a:r>
+                      <a:endParaRPr lang="en-US" altLang="ko-KR" sz="1000" b="1" dirty="0"/>
+                    </a:p>
+                    <a:p>
+                      <a:pPr marL="0" indent="0" algn="ctr" latinLnBrk="1">
+                        <a:buNone/>
+                      </a:pPr>
+                      <a:r>
+                        <a:rPr lang="ko-KR" altLang="en-US" sz="1000" b="1" dirty="0"/>
+                        <a:t>포켓몬 </a:t>
+                      </a:r>
+                      <a:r>
+                        <a:rPr lang="en-US" altLang="ko-KR" sz="1000" b="1" dirty="0"/>
+                        <a:t>pc</a:t>
+                      </a:r>
+                      <a:endParaRPr lang="en-US" altLang="ko-KR" sz="1000" b="1" dirty="0">
+                        <a:solidFill>
+                          <a:schemeClr val="tx1"/>
+                        </a:solidFill>
+                      </a:endParaRPr>
+                    </a:p>
+                  </a:txBody>
+                  <a:tcPr>
+                    <a:solidFill>
+                      <a:schemeClr val="accent2">
+                        <a:lumMod val="40000"/>
+                        <a:lumOff val="60000"/>
+                      </a:schemeClr>
+                    </a:solidFill>
+                  </a:tcPr>
+                </a:tc>
+                <a:extLst>
+                  <a:ext uri="{0D108BD9-81ED-4DB2-BD59-A6C34878D82A}">
+                    <a16:rowId xmlns:a16="http://schemas.microsoft.com/office/drawing/2014/main" val="2566878415"/>
+                  </a:ext>
+                </a:extLst>
+              </a:tr>
+              <a:tr h="370840">
+                <a:tc>
+                  <a:txBody>
+                    <a:bodyPr/>
+                    <a:lstStyle/>
+                    <a:p>
+                      <a:pPr algn="ctr" latinLnBrk="1"/>
+                      <a:endParaRPr lang="en-US" altLang="ko-KR" sz="1500" b="1" dirty="0">
+                        <a:solidFill>
+                          <a:schemeClr val="tx1"/>
+                        </a:solidFill>
+                      </a:endParaRPr>
+                    </a:p>
+                    <a:p>
+                      <a:pPr algn="ctr" latinLnBrk="1"/>
+                      <a:r>
+                        <a:rPr lang="ko-KR" altLang="en-US" sz="1500" b="1" dirty="0">
+                          <a:solidFill>
+                            <a:schemeClr val="tx1"/>
+                          </a:solidFill>
+                        </a:rPr>
+                        <a:t>사운드</a:t>
+                      </a:r>
+                    </a:p>
+                  </a:txBody>
+                  <a:tcPr>
+                    <a:solidFill>
+                      <a:schemeClr val="accent2">
+                        <a:lumMod val="40000"/>
+                        <a:lumOff val="60000"/>
+                      </a:schemeClr>
+                    </a:solidFill>
+                  </a:tcPr>
+                </a:tc>
+                <a:tc>
+                  <a:txBody>
+                    <a:bodyPr/>
+                    <a:lstStyle/>
+                    <a:p>
+                      <a:pPr algn="ctr" latinLnBrk="1"/>
+                      <a:endParaRPr lang="en-US" altLang="ko-KR" sz="1000" b="1" dirty="0"/>
+                    </a:p>
+                    <a:p>
+                      <a:pPr algn="ctr" latinLnBrk="1"/>
+                      <a:r>
+                        <a:rPr lang="ko-KR" altLang="en-US" sz="1000" b="1" dirty="0" err="1"/>
+                        <a:t>포획사운드</a:t>
+                      </a:r>
+                      <a:r>
+                        <a:rPr lang="en-US" altLang="ko-KR" sz="1000" b="1" dirty="0"/>
+                        <a:t>,</a:t>
+                      </a:r>
+                      <a:r>
+                        <a:rPr lang="ko-KR" altLang="en-US" sz="1000" b="1" dirty="0" err="1"/>
+                        <a:t>승리사운드</a:t>
+                      </a:r>
+                      <a:endParaRPr lang="ko-KR" altLang="en-US" sz="1000" b="1" dirty="0">
+                        <a:solidFill>
+                          <a:schemeClr val="tx1"/>
+                        </a:solidFill>
+                      </a:endParaRPr>
+                    </a:p>
+                  </a:txBody>
+                  <a:tcPr>
+                    <a:solidFill>
+                      <a:schemeClr val="accent2">
+                        <a:lumMod val="40000"/>
+                        <a:lumOff val="60000"/>
+                      </a:schemeClr>
+                    </a:solidFill>
+                  </a:tcPr>
+                </a:tc>
+                <a:tc>
+                  <a:txBody>
+                    <a:bodyPr/>
+                    <a:lstStyle/>
+                    <a:p>
+                      <a:pPr marL="0" indent="0" algn="ctr" latinLnBrk="1">
+                        <a:buNone/>
+                      </a:pPr>
+                      <a:endParaRPr lang="en-US" altLang="ko-KR" sz="1000" b="1" dirty="0"/>
+                    </a:p>
+                    <a:p>
+                      <a:pPr marL="0" indent="0" algn="ctr" latinLnBrk="1">
+                        <a:buNone/>
+                      </a:pPr>
+                      <a:r>
+                        <a:rPr lang="ko-KR" altLang="en-US" sz="1000" b="1" dirty="0"/>
+                        <a:t>포켓몬 울음소리 </a:t>
+                      </a:r>
+                      <a:endParaRPr lang="en-US" altLang="ko-KR" sz="1000" b="1" dirty="0">
+                        <a:solidFill>
+                          <a:schemeClr val="tx1"/>
+                        </a:solidFill>
+                      </a:endParaRPr>
+                    </a:p>
+                  </a:txBody>
+                  <a:tcPr>
+                    <a:solidFill>
+                      <a:schemeClr val="accent2">
+                        <a:lumMod val="40000"/>
+                        <a:lumOff val="60000"/>
+                      </a:schemeClr>
+                    </a:solidFill>
+                  </a:tcPr>
+                </a:tc>
+                <a:extLst>
+                  <a:ext uri="{0D108BD9-81ED-4DB2-BD59-A6C34878D82A}">
+                    <a16:rowId xmlns:a16="http://schemas.microsoft.com/office/drawing/2014/main" val="445318376"/>
+                  </a:ext>
+                </a:extLst>
+              </a:tr>
+              <a:tr h="370840">
+                <a:tc>
+                  <a:txBody>
+                    <a:bodyPr/>
+                    <a:lstStyle/>
+                    <a:p>
+                      <a:pPr algn="ctr" latinLnBrk="1"/>
+                      <a:endParaRPr lang="en-US" altLang="ko-KR" sz="1500" b="1" dirty="0">
+                        <a:solidFill>
+                          <a:schemeClr val="tx1"/>
+                        </a:solidFill>
+                      </a:endParaRPr>
+                    </a:p>
+                    <a:p>
+                      <a:pPr algn="ctr" latinLnBrk="1"/>
+                      <a:r>
+                        <a:rPr lang="ko-KR" altLang="en-US" sz="1500" b="1" dirty="0">
+                          <a:solidFill>
+                            <a:schemeClr val="tx1"/>
+                          </a:solidFill>
+                        </a:rPr>
+                        <a:t>애니메이션</a:t>
+                      </a:r>
+                      <a:endParaRPr lang="en-US" altLang="ko-KR" sz="1500" b="1" dirty="0">
+                        <a:solidFill>
+                          <a:schemeClr val="tx1"/>
+                        </a:solidFill>
+                      </a:endParaRPr>
+                    </a:p>
+                    <a:p>
+                      <a:pPr algn="ctr" latinLnBrk="1"/>
+                      <a:endParaRPr lang="ko-KR" altLang="en-US" sz="1500" b="1" dirty="0">
+                        <a:solidFill>
+                          <a:schemeClr val="tx1"/>
+                        </a:solidFill>
+                      </a:endParaRPr>
+                    </a:p>
+                  </a:txBody>
+                  <a:tcPr>
+                    <a:solidFill>
+                      <a:schemeClr val="accent2">
+                        <a:lumMod val="40000"/>
+                        <a:lumOff val="60000"/>
+                      </a:schemeClr>
+                    </a:solidFill>
+                  </a:tcPr>
+                </a:tc>
+                <a:tc>
+                  <a:txBody>
+                    <a:bodyPr/>
+                    <a:lstStyle/>
+                    <a:p>
+                      <a:pPr algn="ctr" latinLnBrk="1"/>
+                      <a:r>
+                        <a:rPr lang="ko-KR" altLang="en-US" sz="1000" b="1" dirty="0"/>
+                        <a:t>걷기</a:t>
+                      </a:r>
+                      <a:r>
+                        <a:rPr lang="en-US" altLang="ko-KR" sz="1000" b="1" dirty="0"/>
+                        <a:t>, </a:t>
+                      </a:r>
+                      <a:r>
+                        <a:rPr lang="ko-KR" altLang="en-US" sz="1000" b="1" dirty="0"/>
+                        <a:t>출현 이펙트</a:t>
+                      </a:r>
+                      <a:r>
+                        <a:rPr lang="en-US" altLang="ko-KR" sz="1000" b="1" dirty="0"/>
+                        <a:t>, </a:t>
+                      </a:r>
+                      <a:r>
+                        <a:rPr lang="ko-KR" altLang="en-US" sz="1000" b="1" dirty="0"/>
+                        <a:t>포획 이펙트</a:t>
+                      </a:r>
+                      <a:r>
+                        <a:rPr lang="en-US" altLang="ko-KR" sz="1000" b="1" dirty="0"/>
+                        <a:t>,</a:t>
+                      </a:r>
+                      <a:r>
+                        <a:rPr lang="ko-KR" altLang="en-US" sz="1000" b="1" dirty="0"/>
+                        <a:t> 자전거 타기</a:t>
+                      </a:r>
+                      <a:r>
+                        <a:rPr lang="en-US" altLang="ko-KR" sz="1000" b="1" dirty="0"/>
+                        <a:t>(</a:t>
+                      </a:r>
+                      <a:r>
+                        <a:rPr lang="ko-KR" altLang="en-US" sz="1000" b="1" dirty="0"/>
+                        <a:t>추가 범위와 교체</a:t>
+                      </a:r>
+                      <a:r>
+                        <a:rPr lang="en-US" altLang="ko-KR" sz="1000" b="1" dirty="0"/>
+                        <a:t>) </a:t>
+                      </a:r>
+                      <a:endParaRPr lang="ko-KR" altLang="en-US" sz="1000" b="1" dirty="0">
+                        <a:solidFill>
+                          <a:schemeClr val="tx1"/>
+                        </a:solidFill>
+                      </a:endParaRPr>
+                    </a:p>
+                  </a:txBody>
+                  <a:tcPr>
+                    <a:solidFill>
+                      <a:schemeClr val="accent2">
+                        <a:lumMod val="40000"/>
+                        <a:lumOff val="60000"/>
+                      </a:schemeClr>
+                    </a:solidFill>
+                  </a:tcPr>
+                </a:tc>
+                <a:tc>
+                  <a:txBody>
+                    <a:bodyPr/>
+                    <a:lstStyle/>
+                    <a:p>
+                      <a:pPr marL="0" indent="0" algn="ctr" latinLnBrk="1">
+                        <a:buNone/>
+                      </a:pPr>
+                      <a:r>
+                        <a:rPr lang="ko-KR" altLang="en-US" sz="1000" b="1" dirty="0"/>
+                        <a:t>달리기</a:t>
+                      </a:r>
+                      <a:r>
+                        <a:rPr lang="en-US" altLang="ko-KR" sz="1000" b="1" dirty="0"/>
+                        <a:t>,</a:t>
+                      </a:r>
+                    </a:p>
+                    <a:p>
+                      <a:pPr marL="0" indent="0" algn="ctr" latinLnBrk="1">
+                        <a:buNone/>
+                      </a:pPr>
+                      <a:r>
+                        <a:rPr lang="ko-KR" altLang="en-US" sz="1000" b="1" dirty="0"/>
+                        <a:t>물가이동</a:t>
+                      </a:r>
+                      <a:r>
+                        <a:rPr lang="en-US" altLang="ko-KR" sz="1000" b="1" dirty="0"/>
+                        <a:t>,</a:t>
+                      </a:r>
+                    </a:p>
+                    <a:p>
+                      <a:pPr marL="0" indent="0" algn="ctr" latinLnBrk="1">
+                        <a:buNone/>
+                      </a:pPr>
+                      <a:r>
+                        <a:rPr lang="ko-KR" altLang="en-US" sz="1000" b="1" dirty="0"/>
+                        <a:t>포켓몬 기술 별 애니메이션 </a:t>
+                      </a:r>
+                      <a:endParaRPr lang="ko-KR" altLang="en-US" sz="1000" b="1" dirty="0">
+                        <a:solidFill>
+                          <a:schemeClr val="tx1"/>
+                        </a:solidFill>
+                      </a:endParaRPr>
+                    </a:p>
+                  </a:txBody>
+                  <a:tcPr>
+                    <a:solidFill>
+                      <a:schemeClr val="accent2">
+                        <a:lumMod val="40000"/>
+                        <a:lumOff val="60000"/>
+                      </a:schemeClr>
+                    </a:solidFill>
+                  </a:tcPr>
+                </a:tc>
+                <a:extLst>
+                  <a:ext uri="{0D108BD9-81ED-4DB2-BD59-A6C34878D82A}">
+                    <a16:rowId xmlns:a16="http://schemas.microsoft.com/office/drawing/2014/main" val="1343782541"/>
+                  </a:ext>
+                </a:extLst>
+              </a:tr>
+            </a:tbl>
+          </a:graphicData>
+        </a:graphic>
+      </p:graphicFrame>
+    </p:spTree>
+    <p:extLst>
+      <p:ext uri="{BB962C8B-B14F-4D97-AF65-F5344CB8AC3E}">
+        <p14:creationId xmlns:p14="http://schemas.microsoft.com/office/powerpoint/2010/main" val="2180852934"/>
+      </p:ext>
+    </p:extLst>
+  </p:cSld>
+  <p:clrMapOvr>
+    <a:masterClrMapping/>
+  </p:clrMapOvr>
+</p:sld>
+</file>
+
+<file path=ppt/slides/slide5.xml><?xml version="1.0" encoding="utf-8"?>
 <p:sld xmlns:a="http://schemas.openxmlformats.org/drawingml/2006/main" xmlns:r="http://schemas.openxmlformats.org/officeDocument/2006/relationships" xmlns:p="http://schemas.openxmlformats.org/presentationml/2006/main">
   <p:cSld>
     <p:bg>
@@ -8630,14 +9776,14 @@
             <p:ph idx="1"/>
             <p:extLst>
               <p:ext uri="{D42A27DB-BD31-4B8C-83A1-F6EECF244321}">
-                <p14:modId xmlns:p14="http://schemas.microsoft.com/office/powerpoint/2010/main" val="321899812"/>
+                <p14:modId xmlns:p14="http://schemas.microsoft.com/office/powerpoint/2010/main" val="3452964389"/>
               </p:ext>
             </p:extLst>
           </p:nvPr>
         </p:nvGraphicFramePr>
         <p:xfrm>
           <a:off x="838200" y="1385462"/>
-          <a:ext cx="10515597" cy="4566953"/>
+          <a:ext cx="10515597" cy="4932713"/>
         </p:xfrm>
         <a:graphic>
           <a:graphicData uri="http://schemas.openxmlformats.org/drawingml/2006/table">
@@ -8980,7 +10126,7 @@
                   </a:ext>
                 </a:extLst>
               </a:tr>
-              <a:tr h="370840">
+              <a:tr h="274320">
                 <a:tc>
                   <a:txBody>
                     <a:bodyPr/>
@@ -9123,6 +10269,86 @@
                 <a:extLst>
                   <a:ext uri="{0D108BD9-81ED-4DB2-BD59-A6C34878D82A}">
                     <a16:rowId xmlns:a16="http://schemas.microsoft.com/office/drawing/2014/main" val="2653080378"/>
+                  </a:ext>
+                </a:extLst>
+              </a:tr>
+              <a:tr h="274320">
+                <a:tc>
+                  <a:txBody>
+                    <a:bodyPr/>
+                    <a:lstStyle/>
+                    <a:p>
+                      <a:pPr algn="ctr" latinLnBrk="1"/>
+                      <a:r>
+                        <a:rPr lang="ko-KR" altLang="en-US" b="1" dirty="0" err="1">
+                          <a:solidFill>
+                            <a:srgbClr val="FF0000"/>
+                          </a:solidFill>
+                        </a:rPr>
+                        <a:t>기술머신</a:t>
+                      </a:r>
+                      <a:r>
+                        <a:rPr lang="ko-KR" altLang="en-US" b="1" dirty="0">
+                          <a:solidFill>
+                            <a:srgbClr val="FF0000"/>
+                          </a:solidFill>
+                        </a:rPr>
+                        <a:t> 추가 구현 이동</a:t>
+                      </a:r>
+                    </a:p>
+                  </a:txBody>
+                  <a:tcPr>
+                    <a:solidFill>
+                      <a:schemeClr val="accent5">
+                        <a:lumMod val="60000"/>
+                        <a:lumOff val="40000"/>
+                      </a:schemeClr>
+                    </a:solidFill>
+                  </a:tcPr>
+                </a:tc>
+                <a:tc>
+                  <a:txBody>
+                    <a:bodyPr/>
+                    <a:lstStyle/>
+                    <a:p>
+                      <a:pPr marL="0" indent="0" algn="ctr" latinLnBrk="1">
+                        <a:buNone/>
+                      </a:pPr>
+                      <a:r>
+                        <a:rPr lang="ko-KR" altLang="en-US" sz="1500" b="1" dirty="0">
+                          <a:solidFill>
+                            <a:schemeClr val="bg1"/>
+                          </a:solidFill>
+                        </a:rPr>
+                        <a:t>생각보다 시간상 촉박하여 추가 구현으로 미루어 가능한 개수만 만들려고 합니다</a:t>
+                      </a:r>
+                      <a:r>
+                        <a:rPr lang="en-US" altLang="ko-KR" sz="1500" b="1" dirty="0">
+                          <a:solidFill>
+                            <a:schemeClr val="bg1"/>
+                          </a:solidFill>
+                        </a:rPr>
+                        <a:t>.</a:t>
+                      </a:r>
+                      <a:endParaRPr lang="ko-KR" altLang="en-US" sz="1500" b="1" dirty="0">
+                        <a:solidFill>
+                          <a:schemeClr val="bg1"/>
+                        </a:solidFill>
+                      </a:endParaRPr>
+                    </a:p>
+                  </a:txBody>
+                  <a:tcPr>
+                    <a:solidFill>
+                      <a:schemeClr val="accent2">
+                        <a:lumMod val="60000"/>
+                        <a:lumOff val="40000"/>
+                      </a:schemeClr>
+                    </a:solidFill>
+                  </a:tcPr>
+                </a:tc>
+                <a:extLst>
+                  <a:ext uri="{0D108BD9-81ED-4DB2-BD59-A6C34878D82A}">
+                    <a16:rowId xmlns:a16="http://schemas.microsoft.com/office/drawing/2014/main" val="3054888349"/>
                   </a:ext>
                 </a:extLst>
               </a:tr>
@@ -9765,7 +10991,7 @@
 </p:sld>
 </file>
 
-<file path=ppt/slides/slide5.xml><?xml version="1.0" encoding="utf-8"?>
+<file path=ppt/slides/slide6.xml><?xml version="1.0" encoding="utf-8"?>
 <p:sld xmlns:a="http://schemas.openxmlformats.org/drawingml/2006/main" xmlns:r="http://schemas.openxmlformats.org/officeDocument/2006/relationships" xmlns:p="http://schemas.openxmlformats.org/presentationml/2006/main">
   <p:cSld>
     <p:bg>
@@ -9796,42 +11022,6 @@
           <a:chExt cx="0" cy="0"/>
         </a:xfrm>
       </p:grpSpPr>
-      <p:pic>
-        <p:nvPicPr>
-          <p:cNvPr id="5" name="그림 4">
-            <a:extLst>
-              <a:ext uri="{FF2B5EF4-FFF2-40B4-BE49-F238E27FC236}">
-                <a16:creationId xmlns:a16="http://schemas.microsoft.com/office/drawing/2014/main" id="{33B06221-F088-2161-7F28-EA95496E050D}"/>
-              </a:ext>
-            </a:extLst>
-          </p:cNvPr>
-          <p:cNvPicPr>
-            <a:picLocks noChangeAspect="1"/>
-          </p:cNvPicPr>
-          <p:nvPr/>
-        </p:nvPicPr>
-        <p:blipFill>
-          <a:blip r:embed="rId3">
-            <a:extLst>
-              <a:ext uri="{28A0092B-C50C-407E-A947-70E740481C1C}">
-                <a14:useLocalDpi xmlns:a14="http://schemas.microsoft.com/office/drawing/2010/main" val="0"/>
-              </a:ext>
-            </a:extLst>
-          </a:blip>
-          <a:stretch>
-            <a:fillRect/>
-          </a:stretch>
-        </p:blipFill>
-        <p:spPr>
-          <a:xfrm>
-            <a:off x="276225" y="704790"/>
-            <a:ext cx="11639550" cy="6153210"/>
-          </a:xfrm>
-          <a:prstGeom prst="rect">
-            <a:avLst/>
-          </a:prstGeom>
-        </p:spPr>
-      </p:pic>
       <p:sp>
         <p:nvSpPr>
           <p:cNvPr id="6" name="TextBox 5">
@@ -9890,7 +11080,7 @@
                   <a:srgbClr val="FF0000"/>
                 </a:solidFill>
               </a:rPr>
-              <a:t>(11/12 </a:t>
+              <a:t>(11/19 </a:t>
             </a:r>
             <a:r>
               <a:rPr lang="ko-KR" altLang="en-US" sz="3000" b="1" dirty="0">
@@ -9912,6 +11102,36 @@
           </a:p>
         </p:txBody>
       </p:sp>
+      <p:pic>
+        <p:nvPicPr>
+          <p:cNvPr id="3" name="그림 2">
+            <a:extLst>
+              <a:ext uri="{FF2B5EF4-FFF2-40B4-BE49-F238E27FC236}">
+                <a16:creationId xmlns:a16="http://schemas.microsoft.com/office/drawing/2014/main" id="{814D2F58-9317-6E47-D511-42D29909B177}"/>
+              </a:ext>
+            </a:extLst>
+          </p:cNvPr>
+          <p:cNvPicPr>
+            <a:picLocks noChangeAspect="1"/>
+          </p:cNvPicPr>
+          <p:nvPr/>
+        </p:nvPicPr>
+        <p:blipFill>
+          <a:blip r:embed="rId3"/>
+          <a:stretch>
+            <a:fillRect/>
+          </a:stretch>
+        </p:blipFill>
+        <p:spPr>
+          <a:xfrm>
+            <a:off x="0" y="808749"/>
+            <a:ext cx="12192000" cy="5910838"/>
+          </a:xfrm>
+          <a:prstGeom prst="rect">
+            <a:avLst/>
+          </a:prstGeom>
+        </p:spPr>
+      </p:pic>
     </p:spTree>
     <p:extLst>
       <p:ext uri="{BB962C8B-B14F-4D97-AF65-F5344CB8AC3E}">
